--- a/figures_final/submission2/figures_collected_022619.pptx
+++ b/figures_final/submission2/figures_collected_022619.pptx
@@ -3216,7 +3216,7 @@
       </p:grpSpPr>
       <p:pic>
         <p:nvPicPr>
-          <p:cNvPr id="2" name="Picture 1"/>
+          <p:cNvPr id="3" name="Picture 2"/>
           <p:cNvPicPr>
             <a:picLocks noChangeAspect="1"/>
           </p:cNvPicPr>
@@ -3276,7 +3276,7 @@
       </p:grpSpPr>
       <p:pic>
         <p:nvPicPr>
-          <p:cNvPr id="2" name="Picture 1"/>
+          <p:cNvPr id="6" name="Picture 5"/>
           <p:cNvPicPr>
             <a:picLocks noChangeAspect="1"/>
           </p:cNvPicPr>
@@ -3296,8 +3296,8 @@
         </p:blipFill>
         <p:spPr>
           <a:xfrm>
-            <a:off x="2325309" y="0"/>
-            <a:ext cx="7541381" cy="6858000"/>
+            <a:off x="1035170" y="610527"/>
+            <a:ext cx="10058400" cy="5490261"/>
           </a:xfrm>
           <a:prstGeom prst="rect">
             <a:avLst/>

--- a/figures_final/submission2/figures_collected_022619.pptx
+++ b/figures_final/submission2/figures_collected_022619.pptx
@@ -9,8 +9,8 @@
     <p:sldId id="257" r:id="rId3"/>
     <p:sldId id="258" r:id="rId4"/>
     <p:sldId id="259" r:id="rId5"/>
-    <p:sldId id="261" r:id="rId6"/>
-    <p:sldId id="260" r:id="rId7"/>
+    <p:sldId id="260" r:id="rId6"/>
+    <p:sldId id="261" r:id="rId7"/>
   </p:sldIdLst>
   <p:sldSz cx="12192000" cy="6858000"/>
   <p:notesSz cx="6858000" cy="9144000"/>
@@ -248,7 +248,7 @@
           <a:p>
             <a:fld id="{6BC361F9-0D74-4D2C-A884-09A0F91D3D83}" type="datetimeFigureOut">
               <a:rPr lang="en-US" smtClean="0"/>
-              <a:t>2/26/2019</a:t>
+              <a:t>3/5/2019</a:t>
             </a:fld>
             <a:endParaRPr lang="en-US"/>
           </a:p>
@@ -418,7 +418,7 @@
           <a:p>
             <a:fld id="{6BC361F9-0D74-4D2C-A884-09A0F91D3D83}" type="datetimeFigureOut">
               <a:rPr lang="en-US" smtClean="0"/>
-              <a:t>2/26/2019</a:t>
+              <a:t>3/5/2019</a:t>
             </a:fld>
             <a:endParaRPr lang="en-US"/>
           </a:p>
@@ -598,7 +598,7 @@
           <a:p>
             <a:fld id="{6BC361F9-0D74-4D2C-A884-09A0F91D3D83}" type="datetimeFigureOut">
               <a:rPr lang="en-US" smtClean="0"/>
-              <a:t>2/26/2019</a:t>
+              <a:t>3/5/2019</a:t>
             </a:fld>
             <a:endParaRPr lang="en-US"/>
           </a:p>
@@ -768,7 +768,7 @@
           <a:p>
             <a:fld id="{6BC361F9-0D74-4D2C-A884-09A0F91D3D83}" type="datetimeFigureOut">
               <a:rPr lang="en-US" smtClean="0"/>
-              <a:t>2/26/2019</a:t>
+              <a:t>3/5/2019</a:t>
             </a:fld>
             <a:endParaRPr lang="en-US"/>
           </a:p>
@@ -1014,7 +1014,7 @@
           <a:p>
             <a:fld id="{6BC361F9-0D74-4D2C-A884-09A0F91D3D83}" type="datetimeFigureOut">
               <a:rPr lang="en-US" smtClean="0"/>
-              <a:t>2/26/2019</a:t>
+              <a:t>3/5/2019</a:t>
             </a:fld>
             <a:endParaRPr lang="en-US"/>
           </a:p>
@@ -1246,7 +1246,7 @@
           <a:p>
             <a:fld id="{6BC361F9-0D74-4D2C-A884-09A0F91D3D83}" type="datetimeFigureOut">
               <a:rPr lang="en-US" smtClean="0"/>
-              <a:t>2/26/2019</a:t>
+              <a:t>3/5/2019</a:t>
             </a:fld>
             <a:endParaRPr lang="en-US"/>
           </a:p>
@@ -1613,7 +1613,7 @@
           <a:p>
             <a:fld id="{6BC361F9-0D74-4D2C-A884-09A0F91D3D83}" type="datetimeFigureOut">
               <a:rPr lang="en-US" smtClean="0"/>
-              <a:t>2/26/2019</a:t>
+              <a:t>3/5/2019</a:t>
             </a:fld>
             <a:endParaRPr lang="en-US"/>
           </a:p>
@@ -1731,7 +1731,7 @@
           <a:p>
             <a:fld id="{6BC361F9-0D74-4D2C-A884-09A0F91D3D83}" type="datetimeFigureOut">
               <a:rPr lang="en-US" smtClean="0"/>
-              <a:t>2/26/2019</a:t>
+              <a:t>3/5/2019</a:t>
             </a:fld>
             <a:endParaRPr lang="en-US"/>
           </a:p>
@@ -1826,7 +1826,7 @@
           <a:p>
             <a:fld id="{6BC361F9-0D74-4D2C-A884-09A0F91D3D83}" type="datetimeFigureOut">
               <a:rPr lang="en-US" smtClean="0"/>
-              <a:t>2/26/2019</a:t>
+              <a:t>3/5/2019</a:t>
             </a:fld>
             <a:endParaRPr lang="en-US"/>
           </a:p>
@@ -2103,7 +2103,7 @@
           <a:p>
             <a:fld id="{6BC361F9-0D74-4D2C-A884-09A0F91D3D83}" type="datetimeFigureOut">
               <a:rPr lang="en-US" smtClean="0"/>
-              <a:t>2/26/2019</a:t>
+              <a:t>3/5/2019</a:t>
             </a:fld>
             <a:endParaRPr lang="en-US"/>
           </a:p>
@@ -2356,7 +2356,7 @@
           <a:p>
             <a:fld id="{6BC361F9-0D74-4D2C-A884-09A0F91D3D83}" type="datetimeFigureOut">
               <a:rPr lang="en-US" smtClean="0"/>
-              <a:t>2/26/2019</a:t>
+              <a:t>3/5/2019</a:t>
             </a:fld>
             <a:endParaRPr lang="en-US"/>
           </a:p>
@@ -2569,7 +2569,7 @@
           <a:p>
             <a:fld id="{6BC361F9-0D74-4D2C-A884-09A0F91D3D83}" type="datetimeFigureOut">
               <a:rPr lang="en-US" smtClean="0"/>
-              <a:t>2/26/2019</a:t>
+              <a:t>3/5/2019</a:t>
             </a:fld>
             <a:endParaRPr lang="en-US"/>
           </a:p>
@@ -3096,14 +3096,14 @@
       </p:grpSpPr>
       <p:pic>
         <p:nvPicPr>
-          <p:cNvPr id="3" name="Picture 2"/>
+          <p:cNvPr id="8" name="Picture 7"/>
           <p:cNvPicPr>
             <a:picLocks noChangeAspect="1"/>
           </p:cNvPicPr>
           <p:nvPr/>
         </p:nvPicPr>
         <p:blipFill>
-          <a:blip r:embed="rId2">
+          <a:blip r:embed="rId2" cstate="print">
             <a:extLst>
               <a:ext uri="{28A0092B-C50C-407E-A947-70E740481C1C}">
                 <a14:useLocalDpi xmlns:a14="http://schemas.microsoft.com/office/drawing/2010/main" val="0"/>
@@ -3116,8 +3116,8 @@
         </p:blipFill>
         <p:spPr>
           <a:xfrm>
-            <a:off x="3381714" y="571857"/>
-            <a:ext cx="5428571" cy="5714286"/>
+            <a:off x="3380809" y="571498"/>
+            <a:ext cx="5430382" cy="5715003"/>
           </a:xfrm>
           <a:prstGeom prst="rect">
             <a:avLst/>
@@ -3216,7 +3216,67 @@
       </p:grpSpPr>
       <p:pic>
         <p:nvPicPr>
-          <p:cNvPr id="3" name="Picture 2"/>
+          <p:cNvPr id="4" name="Picture 3"/>
+          <p:cNvPicPr>
+            <a:picLocks noChangeAspect="1"/>
+          </p:cNvPicPr>
+          <p:nvPr/>
+        </p:nvPicPr>
+        <p:blipFill>
+          <a:blip r:embed="rId2" cstate="print">
+            <a:extLst>
+              <a:ext uri="{28A0092B-C50C-407E-A947-70E740481C1C}">
+                <a14:useLocalDpi xmlns:a14="http://schemas.microsoft.com/office/drawing/2010/main" val="0"/>
+              </a:ext>
+            </a:extLst>
+          </a:blip>
+          <a:stretch>
+            <a:fillRect/>
+          </a:stretch>
+        </p:blipFill>
+        <p:spPr>
+          <a:xfrm>
+            <a:off x="1184650" y="0"/>
+            <a:ext cx="9822700" cy="6858000"/>
+          </a:xfrm>
+          <a:prstGeom prst="rect">
+            <a:avLst/>
+          </a:prstGeom>
+        </p:spPr>
+      </p:pic>
+    </p:spTree>
+    <p:extLst>
+      <p:ext uri="{BB962C8B-B14F-4D97-AF65-F5344CB8AC3E}">
+        <p14:creationId xmlns:p14="http://schemas.microsoft.com/office/powerpoint/2010/main" val="1264340305"/>
+      </p:ext>
+    </p:extLst>
+  </p:cSld>
+  <p:clrMapOvr>
+    <a:masterClrMapping/>
+  </p:clrMapOvr>
+</p:sld>
+</file>
+
+<file path=ppt/slides/slide6.xml><?xml version="1.0" encoding="utf-8"?>
+<p:sld xmlns:a="http://schemas.openxmlformats.org/drawingml/2006/main" xmlns:r="http://schemas.openxmlformats.org/officeDocument/2006/relationships" xmlns:p="http://schemas.openxmlformats.org/presentationml/2006/main">
+  <p:cSld>
+    <p:spTree>
+      <p:nvGrpSpPr>
+        <p:cNvPr id="1" name=""/>
+        <p:cNvGrpSpPr/>
+        <p:nvPr/>
+      </p:nvGrpSpPr>
+      <p:grpSpPr>
+        <a:xfrm>
+          <a:off x="0" y="0"/>
+          <a:ext cx="0" cy="0"/>
+          <a:chOff x="0" y="0"/>
+          <a:chExt cx="0" cy="0"/>
+        </a:xfrm>
+      </p:grpSpPr>
+      <p:pic>
+        <p:nvPicPr>
+          <p:cNvPr id="4" name="Picture 3"/>
           <p:cNvPicPr>
             <a:picLocks noChangeAspect="1"/>
           </p:cNvPicPr>
@@ -3248,66 +3308,6 @@
     <p:extLst>
       <p:ext uri="{BB962C8B-B14F-4D97-AF65-F5344CB8AC3E}">
         <p14:creationId xmlns:p14="http://schemas.microsoft.com/office/powerpoint/2010/main" val="3161899656"/>
-      </p:ext>
-    </p:extLst>
-  </p:cSld>
-  <p:clrMapOvr>
-    <a:masterClrMapping/>
-  </p:clrMapOvr>
-</p:sld>
-</file>
-
-<file path=ppt/slides/slide6.xml><?xml version="1.0" encoding="utf-8"?>
-<p:sld xmlns:a="http://schemas.openxmlformats.org/drawingml/2006/main" xmlns:r="http://schemas.openxmlformats.org/officeDocument/2006/relationships" xmlns:p="http://schemas.openxmlformats.org/presentationml/2006/main">
-  <p:cSld>
-    <p:spTree>
-      <p:nvGrpSpPr>
-        <p:cNvPr id="1" name=""/>
-        <p:cNvGrpSpPr/>
-        <p:nvPr/>
-      </p:nvGrpSpPr>
-      <p:grpSpPr>
-        <a:xfrm>
-          <a:off x="0" y="0"/>
-          <a:ext cx="0" cy="0"/>
-          <a:chOff x="0" y="0"/>
-          <a:chExt cx="0" cy="0"/>
-        </a:xfrm>
-      </p:grpSpPr>
-      <p:pic>
-        <p:nvPicPr>
-          <p:cNvPr id="6" name="Picture 5"/>
-          <p:cNvPicPr>
-            <a:picLocks noChangeAspect="1"/>
-          </p:cNvPicPr>
-          <p:nvPr/>
-        </p:nvPicPr>
-        <p:blipFill>
-          <a:blip r:embed="rId2">
-            <a:extLst>
-              <a:ext uri="{28A0092B-C50C-407E-A947-70E740481C1C}">
-                <a14:useLocalDpi xmlns:a14="http://schemas.microsoft.com/office/drawing/2010/main" val="0"/>
-              </a:ext>
-            </a:extLst>
-          </a:blip>
-          <a:stretch>
-            <a:fillRect/>
-          </a:stretch>
-        </p:blipFill>
-        <p:spPr>
-          <a:xfrm>
-            <a:off x="1035170" y="610527"/>
-            <a:ext cx="10058400" cy="5490261"/>
-          </a:xfrm>
-          <a:prstGeom prst="rect">
-            <a:avLst/>
-          </a:prstGeom>
-        </p:spPr>
-      </p:pic>
-    </p:spTree>
-    <p:extLst>
-      <p:ext uri="{BB962C8B-B14F-4D97-AF65-F5344CB8AC3E}">
-        <p14:creationId xmlns:p14="http://schemas.microsoft.com/office/powerpoint/2010/main" val="1264340305"/>
       </p:ext>
     </p:extLst>
   </p:cSld>
